--- a/Final Presentation.pptx
+++ b/Final Presentation.pptx
@@ -33592,6 +33592,16 @@
 <file path=ppt/slides/slide16.xml><?xml version="1.0" encoding="utf-8"?>
 <p:sld xmlns:a="http://schemas.openxmlformats.org/drawingml/2006/main" xmlns:r="http://schemas.openxmlformats.org/officeDocument/2006/relationships" xmlns:p="http://schemas.openxmlformats.org/presentationml/2006/main">
   <p:cSld>
+    <p:bg>
+      <p:bgPr>
+        <a:solidFill>
+          <a:schemeClr val="accent5">
+            <a:lumMod val="75000"/>
+          </a:schemeClr>
+        </a:solidFill>
+        <a:effectLst/>
+      </p:bgPr>
+    </p:bg>
     <p:spTree>
       <p:nvGrpSpPr>
         <p:cNvPr id="1" name="Shape 461"/>
@@ -33654,100 +33664,6 @@
       </p:sp>
       <p:sp>
         <p:nvSpPr>
-          <p:cNvPr id="463" name="Google Shape;463;p34"/>
-          <p:cNvSpPr txBox="1">
-            <a:spLocks noGrp="1"/>
-          </p:cNvSpPr>
-          <p:nvPr>
-            <p:ph type="body" idx="1"/>
-          </p:nvPr>
-        </p:nvSpPr>
-        <p:spPr>
-          <a:xfrm>
-            <a:off x="515938" y="1825625"/>
-            <a:ext cx="10837862" cy="4351338"/>
-          </a:xfrm>
-          <a:prstGeom prst="rect">
-            <a:avLst/>
-          </a:prstGeom>
-          <a:noFill/>
-          <a:ln>
-            <a:noFill/>
-          </a:ln>
-        </p:spPr>
-        <p:txBody>
-          <a:bodyPr spcFirstLastPara="1" wrap="square" lIns="91425" tIns="45700" rIns="91425" bIns="45700" anchor="t" anchorCtr="0">
-            <a:noAutofit/>
-          </a:bodyPr>
-          <a:lstStyle/>
-          <a:p>
-            <a:pPr marL="228600" lvl="0" indent="-228600" algn="l" rtl="0">
-              <a:lnSpc>
-                <a:spcPct val="90000"/>
-              </a:lnSpc>
-              <a:spcBef>
-                <a:spcPts val="0"/>
-              </a:spcBef>
-              <a:spcAft>
-                <a:spcPts val="0"/>
-              </a:spcAft>
-              <a:buClr>
-                <a:schemeClr val="dk1"/>
-              </a:buClr>
-              <a:buSzPts val="2800"/>
-              <a:buChar char="•"/>
-            </a:pPr>
-            <a:r>
-              <a:rPr lang="en-US" dirty="0"/>
-              <a:t>Is the project usable?</a:t>
-            </a:r>
-            <a:endParaRPr dirty="0"/>
-          </a:p>
-          <a:p>
-            <a:pPr marL="685800" lvl="1" indent="-228600" algn="l" rtl="0">
-              <a:lnSpc>
-                <a:spcPct val="90000"/>
-              </a:lnSpc>
-              <a:spcBef>
-                <a:spcPts val="500"/>
-              </a:spcBef>
-              <a:spcAft>
-                <a:spcPts val="0"/>
-              </a:spcAft>
-              <a:buClr>
-                <a:schemeClr val="dk1"/>
-              </a:buClr>
-              <a:buSzPts val="2400"/>
-              <a:buChar char="•"/>
-            </a:pPr>
-            <a:r>
-              <a:rPr lang="en-US" dirty="0"/>
-              <a:t>Yes.</a:t>
-            </a:r>
-          </a:p>
-          <a:p>
-            <a:pPr marL="457200" lvl="1" indent="0" algn="l" rtl="0">
-              <a:lnSpc>
-                <a:spcPct val="90000"/>
-              </a:lnSpc>
-              <a:spcBef>
-                <a:spcPts val="500"/>
-              </a:spcBef>
-              <a:spcAft>
-                <a:spcPts val="0"/>
-              </a:spcAft>
-              <a:buClr>
-                <a:schemeClr val="dk1"/>
-              </a:buClr>
-              <a:buSzPts val="2400"/>
-              <a:buNone/>
-            </a:pPr>
-            <a:endParaRPr lang="en-US" dirty="0"/>
-          </a:p>
-        </p:txBody>
-      </p:sp>
-      <p:sp>
-        <p:nvSpPr>
           <p:cNvPr id="464" name="Google Shape;464;p34"/>
           <p:cNvSpPr txBox="1">
             <a:spLocks noGrp="1"/>
@@ -33758,8 +33674,8 @@
         </p:nvSpPr>
         <p:spPr>
           <a:xfrm>
-            <a:off x="515938" y="246621"/>
-            <a:ext cx="11150600" cy="920336"/>
+            <a:off x="2259537" y="1226288"/>
+            <a:ext cx="13464858" cy="2651760"/>
           </a:xfrm>
           <a:prstGeom prst="rect">
             <a:avLst/>
@@ -33793,10 +33709,18 @@
               <a:buNone/>
             </a:pPr>
             <a:r>
-              <a:rPr lang="en-US"/>
+              <a:rPr lang="en-US" sz="4800" dirty="0">
+                <a:solidFill>
+                  <a:schemeClr val="bg1"/>
+                </a:solidFill>
+              </a:rPr>
               <a:t>CONCLUDING REMARKS</a:t>
             </a:r>
-            <a:endParaRPr/>
+            <a:endParaRPr sz="4800" dirty="0">
+              <a:solidFill>
+                <a:schemeClr val="bg1"/>
+              </a:solidFill>
+            </a:endParaRPr>
           </a:p>
         </p:txBody>
       </p:sp>
